--- a/презентация_файл_видео/Сравнение js frameworks.pptx
+++ b/презентация_файл_видео/Сравнение js frameworks.pptx
@@ -233,7 +233,7 @@
           <a:p>
             <a:fld id="{867157A3-ECE1-4E5C-91A0-18BF3863CA26}" type="datetimeFigureOut">
               <a:rPr lang="ru-RU" smtClean="0"/>
-              <a:t>17.06.2020</a:t>
+              <a:t>18.06.2020</a:t>
             </a:fld>
             <a:endParaRPr lang="ru-RU"/>
           </a:p>
@@ -809,7 +809,7 @@
           <a:p>
             <a:fld id="{3C654B6E-D138-43D5-BC5C-D99E3F0474FC}" type="datetimeFigureOut">
               <a:rPr lang="ru-RU" smtClean="0"/>
-              <a:t>17.06.2020</a:t>
+              <a:t>18.06.2020</a:t>
             </a:fld>
             <a:endParaRPr lang="ru-RU"/>
           </a:p>
@@ -979,7 +979,7 @@
           <a:p>
             <a:fld id="{3C654B6E-D138-43D5-BC5C-D99E3F0474FC}" type="datetimeFigureOut">
               <a:rPr lang="ru-RU" smtClean="0"/>
-              <a:t>17.06.2020</a:t>
+              <a:t>18.06.2020</a:t>
             </a:fld>
             <a:endParaRPr lang="ru-RU"/>
           </a:p>
@@ -1159,7 +1159,7 @@
           <a:p>
             <a:fld id="{3C654B6E-D138-43D5-BC5C-D99E3F0474FC}" type="datetimeFigureOut">
               <a:rPr lang="ru-RU" smtClean="0"/>
-              <a:t>17.06.2020</a:t>
+              <a:t>18.06.2020</a:t>
             </a:fld>
             <a:endParaRPr lang="ru-RU"/>
           </a:p>
@@ -1329,7 +1329,7 @@
           <a:p>
             <a:fld id="{3C654B6E-D138-43D5-BC5C-D99E3F0474FC}" type="datetimeFigureOut">
               <a:rPr lang="ru-RU" smtClean="0"/>
-              <a:t>17.06.2020</a:t>
+              <a:t>18.06.2020</a:t>
             </a:fld>
             <a:endParaRPr lang="ru-RU"/>
           </a:p>
@@ -1587,7 +1587,7 @@
           <a:p>
             <a:fld id="{3C654B6E-D138-43D5-BC5C-D99E3F0474FC}" type="datetimeFigureOut">
               <a:rPr lang="ru-RU" smtClean="0"/>
-              <a:t>17.06.2020</a:t>
+              <a:t>18.06.2020</a:t>
             </a:fld>
             <a:endParaRPr lang="ru-RU"/>
           </a:p>
@@ -1875,7 +1875,7 @@
           <a:p>
             <a:fld id="{3C654B6E-D138-43D5-BC5C-D99E3F0474FC}" type="datetimeFigureOut">
               <a:rPr lang="ru-RU" smtClean="0"/>
-              <a:t>17.06.2020</a:t>
+              <a:t>18.06.2020</a:t>
             </a:fld>
             <a:endParaRPr lang="ru-RU"/>
           </a:p>
@@ -2317,7 +2317,7 @@
           <a:p>
             <a:fld id="{3C654B6E-D138-43D5-BC5C-D99E3F0474FC}" type="datetimeFigureOut">
               <a:rPr lang="ru-RU" smtClean="0"/>
-              <a:t>17.06.2020</a:t>
+              <a:t>18.06.2020</a:t>
             </a:fld>
             <a:endParaRPr lang="ru-RU"/>
           </a:p>
@@ -2435,7 +2435,7 @@
           <a:p>
             <a:fld id="{3C654B6E-D138-43D5-BC5C-D99E3F0474FC}" type="datetimeFigureOut">
               <a:rPr lang="ru-RU" smtClean="0"/>
-              <a:t>17.06.2020</a:t>
+              <a:t>18.06.2020</a:t>
             </a:fld>
             <a:endParaRPr lang="ru-RU"/>
           </a:p>
@@ -2530,7 +2530,7 @@
           <a:p>
             <a:fld id="{3C654B6E-D138-43D5-BC5C-D99E3F0474FC}" type="datetimeFigureOut">
               <a:rPr lang="ru-RU" smtClean="0"/>
-              <a:t>17.06.2020</a:t>
+              <a:t>18.06.2020</a:t>
             </a:fld>
             <a:endParaRPr lang="ru-RU"/>
           </a:p>
@@ -2818,7 +2818,7 @@
           <a:p>
             <a:fld id="{3C654B6E-D138-43D5-BC5C-D99E3F0474FC}" type="datetimeFigureOut">
               <a:rPr lang="ru-RU" smtClean="0"/>
-              <a:t>17.06.2020</a:t>
+              <a:t>18.06.2020</a:t>
             </a:fld>
             <a:endParaRPr lang="ru-RU"/>
           </a:p>
@@ -3091,7 +3091,7 @@
           <a:p>
             <a:fld id="{3C654B6E-D138-43D5-BC5C-D99E3F0474FC}" type="datetimeFigureOut">
               <a:rPr lang="ru-RU" smtClean="0"/>
-              <a:t>17.06.2020</a:t>
+              <a:t>18.06.2020</a:t>
             </a:fld>
             <a:endParaRPr lang="ru-RU"/>
           </a:p>
@@ -3388,7 +3388,7 @@
           <a:p>
             <a:fld id="{3C654B6E-D138-43D5-BC5C-D99E3F0474FC}" type="datetimeFigureOut">
               <a:rPr lang="ru-RU" smtClean="0"/>
-              <a:t>17.06.2020</a:t>
+              <a:t>18.06.2020</a:t>
             </a:fld>
             <a:endParaRPr lang="ru-RU"/>
           </a:p>
@@ -4507,8 +4507,8 @@
         </p:nvSpPr>
         <p:spPr>
           <a:xfrm>
-            <a:off x="3553097" y="171777"/>
-            <a:ext cx="4545874" cy="5120640"/>
+            <a:off x="3895997" y="497695"/>
+            <a:ext cx="7680960" cy="5853466"/>
           </a:xfrm>
         </p:spPr>
         <p:txBody>
@@ -4521,93 +4521,93 @@
               <a:buNone/>
             </a:pPr>
             <a:r>
-              <a:rPr lang="ru-RU" dirty="0" smtClean="0"/>
+              <a:rPr lang="ru-RU" sz="2800" dirty="0" smtClean="0"/>
               <a:t>На </a:t>
             </a:r>
             <a:r>
-              <a:rPr lang="en-US" dirty="0" smtClean="0"/>
+              <a:rPr lang="en-US" sz="2800" dirty="0" smtClean="0"/>
               <a:t>Angular.JS </a:t>
             </a:r>
             <a:r>
-              <a:rPr lang="ru-RU" dirty="0" smtClean="0"/>
+              <a:rPr lang="ru-RU" sz="2800" dirty="0" smtClean="0"/>
               <a:t>запущены многие крупные сайты:</a:t>
             </a:r>
           </a:p>
           <a:p>
             <a:r>
-              <a:rPr lang="ru-RU" dirty="0" smtClean="0"/>
+              <a:rPr lang="ru-RU" sz="2800" dirty="0" smtClean="0"/>
               <a:t>Видеохостинг </a:t>
             </a:r>
             <a:r>
-              <a:rPr lang="en-US" dirty="0" smtClean="0"/>
+              <a:rPr lang="en-US" sz="2800" dirty="0" smtClean="0"/>
               <a:t>YouTube</a:t>
             </a:r>
           </a:p>
           <a:p>
             <a:r>
-              <a:rPr lang="ru-RU" dirty="0" smtClean="0"/>
+              <a:rPr lang="ru-RU" sz="2800" dirty="0" smtClean="0"/>
               <a:t>Крупнейшая биржа фрилансеров </a:t>
             </a:r>
             <a:r>
-              <a:rPr lang="en-US" dirty="0" smtClean="0"/>
+              <a:rPr lang="en-US" sz="2800" dirty="0" smtClean="0"/>
               <a:t>UpWork.com</a:t>
             </a:r>
           </a:p>
           <a:p>
             <a:r>
-              <a:rPr lang="ru-RU" dirty="0" smtClean="0"/>
+              <a:rPr lang="ru-RU" sz="2800" dirty="0" smtClean="0"/>
               <a:t>Веб-версия мессенджера </a:t>
             </a:r>
             <a:r>
-              <a:rPr lang="en-US" dirty="0" smtClean="0"/>
+              <a:rPr lang="en-US" sz="2800" dirty="0" smtClean="0"/>
               <a:t>Telegram</a:t>
             </a:r>
           </a:p>
           <a:p>
             <a:r>
-              <a:rPr lang="ru-RU" dirty="0" smtClean="0"/>
+              <a:rPr lang="ru-RU" sz="2800" dirty="0" smtClean="0"/>
               <a:t>Биржа фрилансеров </a:t>
             </a:r>
             <a:r>
-              <a:rPr lang="en-US" dirty="0" smtClean="0"/>
+              <a:rPr lang="en-US" sz="2800" dirty="0" smtClean="0"/>
               <a:t>freelancer.com</a:t>
             </a:r>
-            <a:endParaRPr lang="ru-RU" dirty="0" smtClean="0"/>
-          </a:p>
-          <a:p>
-            <a:r>
-              <a:rPr lang="ru-RU" dirty="0" smtClean="0"/>
+            <a:endParaRPr lang="ru-RU" sz="2800" dirty="0" smtClean="0"/>
+          </a:p>
+          <a:p>
+            <a:r>
+              <a:rPr lang="ru-RU" sz="2800" dirty="0" smtClean="0"/>
               <a:t>Сайт компании </a:t>
             </a:r>
             <a:r>
-              <a:rPr lang="en-US" dirty="0" smtClean="0"/>
+              <a:rPr lang="en-US" sz="2800" dirty="0" smtClean="0"/>
               <a:t>Bosch</a:t>
             </a:r>
           </a:p>
           <a:p>
             <a:r>
-              <a:rPr lang="ru-RU" dirty="0" smtClean="0"/>
+              <a:rPr lang="ru-RU" sz="2800" dirty="0" smtClean="0"/>
               <a:t>Сайт </a:t>
             </a:r>
             <a:r>
-              <a:rPr lang="en-US" dirty="0" smtClean="0"/>
+              <a:rPr lang="en-US" sz="2800" dirty="0" smtClean="0"/>
               <a:t>AT&amp;T</a:t>
             </a:r>
           </a:p>
           <a:p>
             <a:r>
-              <a:rPr lang="ru-RU" dirty="0" smtClean="0"/>
+              <a:rPr lang="ru-RU" sz="2800" dirty="0" smtClean="0"/>
               <a:t>Сайт </a:t>
             </a:r>
             <a:r>
-              <a:rPr lang="en-US" dirty="0" smtClean="0"/>
+              <a:rPr lang="en-US" sz="2800" dirty="0" smtClean="0"/>
               <a:t>General Electrics </a:t>
             </a:r>
             <a:r>
-              <a:rPr lang="ru-RU" dirty="0" smtClean="0"/>
+              <a:rPr lang="ru-RU" sz="2800" dirty="0" smtClean="0"/>
               <a:t>и другие</a:t>
             </a:r>
-            <a:endParaRPr lang="ru-RU" dirty="0"/>
+            <a:endParaRPr lang="ru-RU" sz="2800" dirty="0"/>
           </a:p>
         </p:txBody>
       </p:sp>
@@ -7030,7 +7030,7 @@
             <p:ph idx="1"/>
             <p:extLst>
               <p:ext uri="{D42A27DB-BD31-4B8C-83A1-F6EECF244321}">
-                <p14:modId xmlns:p14="http://schemas.microsoft.com/office/powerpoint/2010/main" val="138678549"/>
+                <p14:modId xmlns:p14="http://schemas.microsoft.com/office/powerpoint/2010/main" val="763458834"/>
               </p:ext>
             </p:extLst>
           </p:nvPr>
@@ -7277,31 +7277,7 @@
                           <a:ea typeface="+mn-ea"/>
                           <a:cs typeface="+mn-cs"/>
                         </a:rPr>
-                        <a:t>MVVM (Model-View-</a:t>
-                      </a:r>
-                      <a:r>
-                        <a:rPr lang="en-US" sz="1800" b="0" i="0" kern="1200" dirty="0" err="1" smtClean="0">
-                          <a:solidFill>
-                            <a:schemeClr val="dk1"/>
-                          </a:solidFill>
-                          <a:effectLst/>
-                          <a:latin typeface="+mn-lt"/>
-                          <a:ea typeface="+mn-ea"/>
-                          <a:cs typeface="+mn-cs"/>
-                        </a:rPr>
-                        <a:t>ViewModel</a:t>
-                      </a:r>
-                      <a:r>
-                        <a:rPr lang="en-US" sz="1800" b="0" i="0" kern="1200" dirty="0" smtClean="0">
-                          <a:solidFill>
-                            <a:schemeClr val="dk1"/>
-                          </a:solidFill>
-                          <a:effectLst/>
-                          <a:latin typeface="+mn-lt"/>
-                          <a:ea typeface="+mn-ea"/>
-                          <a:cs typeface="+mn-cs"/>
-                        </a:rPr>
-                        <a:t>)</a:t>
+                        <a:t>MVC</a:t>
                       </a:r>
                       <a:endParaRPr lang="ru-RU" sz="1800" dirty="0">
                         <a:latin typeface="+mn-lt"/>
@@ -7725,14 +7701,14 @@
             <p:ph idx="1"/>
             <p:extLst>
               <p:ext uri="{D42A27DB-BD31-4B8C-83A1-F6EECF244321}">
-                <p14:modId xmlns:p14="http://schemas.microsoft.com/office/powerpoint/2010/main" val="3039006920"/>
+                <p14:modId xmlns:p14="http://schemas.microsoft.com/office/powerpoint/2010/main" val="1298187352"/>
               </p:ext>
             </p:extLst>
           </p:nvPr>
         </p:nvGraphicFramePr>
         <p:xfrm>
           <a:off x="3920990" y="223519"/>
-          <a:ext cx="7315200" cy="6510020"/>
+          <a:ext cx="7315200" cy="6139170"/>
         </p:xfrm>
         <a:graphic>
           <a:graphicData uri="http://schemas.openxmlformats.org/drawingml/2006/table">
@@ -7756,7 +7732,7 @@
                   </a:extLst>
                 </a:gridCol>
               </a:tblGrid>
-              <a:tr h="370840">
+              <a:tr h="348786">
                 <a:tc>
                   <a:txBody>
                     <a:bodyPr/>
@@ -7801,7 +7777,7 @@
                   </a:ext>
                 </a:extLst>
               </a:tr>
-              <a:tr h="370840">
+              <a:tr h="602013">
                 <a:tc>
                   <a:txBody>
                     <a:bodyPr/>
@@ -7906,7 +7882,7 @@
                   </a:ext>
                 </a:extLst>
               </a:tr>
-              <a:tr h="370840">
+              <a:tr h="953188">
                 <a:tc>
                   <a:txBody>
                     <a:bodyPr/>
@@ -7986,23 +7962,9 @@
                     <a:lstStyle/>
                     <a:p>
                       <a:pPr algn="l" fontAlgn="t"/>
-                      <a:r>
-                        <a:rPr lang="ru-RU" dirty="0">
-                          <a:effectLst/>
-                        </a:rPr>
-                        <a:t>React не принят, что означает, что</a:t>
-                      </a:r>
-                      <a:br>
-                        <a:rPr lang="ru-RU" dirty="0">
-                          <a:effectLst/>
-                        </a:rPr>
-                      </a:br>
-                      <a:r>
-                        <a:rPr lang="ru-RU" dirty="0">
-                          <a:effectLst/>
-                        </a:rPr>
-                        <a:t>разработчики иногда имеют слишком большой выбор</a:t>
-                      </a:r>
+                      <a:endParaRPr lang="ru-RU" dirty="0">
+                        <a:effectLst/>
+                      </a:endParaRPr>
                     </a:p>
                   </a:txBody>
                   <a:tcPr marL="95250" marR="95250" marT="95250" marB="95250"/>
@@ -8013,7 +7975,7 @@
                   </a:ext>
                 </a:extLst>
               </a:tr>
-              <a:tr h="370840">
+              <a:tr h="602013">
                 <a:tc>
                   <a:txBody>
                     <a:bodyPr/>
@@ -8055,7 +8017,7 @@
                   </a:ext>
                 </a:extLst>
               </a:tr>
-              <a:tr h="370840">
+              <a:tr h="602013">
                 <a:tc>
                   <a:txBody>
                     <a:bodyPr/>
@@ -8119,7 +8081,7 @@
                   </a:ext>
                 </a:extLst>
               </a:tr>
-              <a:tr h="370840">
+              <a:tr h="705422">
                 <a:tc>
                   <a:txBody>
                     <a:bodyPr/>
@@ -8164,52 +8126,7 @@
                   </a:ext>
                 </a:extLst>
               </a:tr>
-              <a:tr h="370840">
-                <a:tc>
-                  <a:txBody>
-                    <a:bodyPr/>
-                    <a:lstStyle/>
-                    <a:p>
-                      <a:pPr algn="ctr"/>
-                      <a:r>
-                        <a:rPr lang="ru-RU" sz="1800" b="0" i="0" kern="1200" dirty="0" smtClean="0">
-                          <a:solidFill>
-                            <a:schemeClr val="dk1"/>
-                          </a:solidFill>
-                          <a:effectLst/>
-                          <a:latin typeface="+mn-lt"/>
-                          <a:ea typeface="+mn-ea"/>
-                          <a:cs typeface="+mn-cs"/>
-                        </a:rPr>
-                        <a:t>Нисходящая привязка данных</a:t>
-                      </a:r>
-                      <a:endParaRPr lang="ru-RU" sz="1800" dirty="0">
-                        <a:latin typeface="+mn-lt"/>
-                      </a:endParaRPr>
-                    </a:p>
-                  </a:txBody>
-                  <a:tcPr/>
-                </a:tc>
-                <a:tc>
-                  <a:txBody>
-                    <a:bodyPr/>
-                    <a:lstStyle/>
-                    <a:p>
-                      <a:pPr algn="ctr"/>
-                      <a:endParaRPr lang="ru-RU" sz="1800" dirty="0">
-                        <a:latin typeface="+mn-lt"/>
-                      </a:endParaRPr>
-                    </a:p>
-                  </a:txBody>
-                  <a:tcPr/>
-                </a:tc>
-                <a:extLst>
-                  <a:ext uri="{0D108BD9-81ED-4DB2-BD59-A6C34878D82A}">
-                    <a16:rowId xmlns:a16="http://schemas.microsoft.com/office/drawing/2014/main" val="173809655"/>
-                  </a:ext>
-                </a:extLst>
-              </a:tr>
-              <a:tr h="370840">
+              <a:tr h="860019">
                 <a:tc>
                   <a:txBody>
                     <a:bodyPr/>
@@ -8326,7 +8243,7 @@
                   </a:ext>
                 </a:extLst>
               </a:tr>
-              <a:tr h="370840">
+              <a:tr h="602013">
                 <a:tc>
                   <a:txBody>
                     <a:bodyPr/>
@@ -8414,7 +8331,7 @@
                   </a:ext>
                 </a:extLst>
               </a:tr>
-              <a:tr h="370840">
+              <a:tr h="602013">
                 <a:tc>
                   <a:txBody>
                     <a:bodyPr/>
@@ -8551,14 +8468,14 @@
             <p:ph idx="1"/>
             <p:extLst>
               <p:ext uri="{D42A27DB-BD31-4B8C-83A1-F6EECF244321}">
-                <p14:modId xmlns:p14="http://schemas.microsoft.com/office/powerpoint/2010/main" val="1353158358"/>
+                <p14:modId xmlns:p14="http://schemas.microsoft.com/office/powerpoint/2010/main" val="529409322"/>
               </p:ext>
             </p:extLst>
           </p:nvPr>
         </p:nvGraphicFramePr>
         <p:xfrm>
           <a:off x="3868739" y="680719"/>
-          <a:ext cx="7315200" cy="4792980"/>
+          <a:ext cx="7348990" cy="5426168"/>
         </p:xfrm>
         <a:graphic>
           <a:graphicData uri="http://schemas.openxmlformats.org/drawingml/2006/table">
@@ -8567,14 +8484,14 @@
                 <a:tableStyleId>{5C22544A-7EE6-4342-B048-85BDC9FD1C3A}</a:tableStyleId>
               </a:tblPr>
               <a:tblGrid>
-                <a:gridCol w="3657600">
+                <a:gridCol w="3674495">
                   <a:extLst>
                     <a:ext uri="{9D8B030D-6E8A-4147-A177-3AD203B41FA5}">
                       <a16:colId xmlns:a16="http://schemas.microsoft.com/office/drawing/2014/main" val="3179345138"/>
                     </a:ext>
                   </a:extLst>
                 </a:gridCol>
-                <a:gridCol w="3657600">
+                <a:gridCol w="3674495">
                   <a:extLst>
                     <a:ext uri="{9D8B030D-6E8A-4147-A177-3AD203B41FA5}">
                       <a16:colId xmlns:a16="http://schemas.microsoft.com/office/drawing/2014/main" val="801186386"/>
@@ -8582,7 +8499,7 @@
                   </a:extLst>
                 </a:gridCol>
               </a:tblGrid>
-              <a:tr h="370840">
+              <a:tr h="455038">
                 <a:tc>
                   <a:txBody>
                     <a:bodyPr/>
@@ -8627,7 +8544,7 @@
                   </a:ext>
                 </a:extLst>
               </a:tr>
-              <a:tr h="370840">
+              <a:tr h="785407">
                 <a:tc>
                   <a:txBody>
                     <a:bodyPr/>
@@ -8732,7 +8649,7 @@
                   </a:ext>
                 </a:extLst>
               </a:tr>
-              <a:tr h="370840">
+              <a:tr h="1243561">
                 <a:tc>
                   <a:txBody>
                     <a:bodyPr/>
@@ -8813,61 +8730,7 @@
                   </a:ext>
                 </a:extLst>
               </a:tr>
-              <a:tr h="370840">
-                <a:tc>
-                  <a:txBody>
-                    <a:bodyPr/>
-                    <a:lstStyle/>
-                    <a:p>
-                      <a:pPr algn="ctr"/>
-                      <a:r>
-                        <a:rPr lang="ru-RU" sz="1800" b="0" i="0" kern="1200" dirty="0" smtClean="0">
-                          <a:solidFill>
-                            <a:schemeClr val="dk1"/>
-                          </a:solidFill>
-                          <a:effectLst/>
-                          <a:latin typeface="+mn-lt"/>
-                          <a:ea typeface="+mn-ea"/>
-                          <a:cs typeface="+mn-cs"/>
-                        </a:rPr>
-                        <a:t>Основная функция, предоставляемая основной командой.</a:t>
-                      </a:r>
-                      <a:endParaRPr lang="ru-RU" sz="1800" dirty="0">
-                        <a:latin typeface="+mn-lt"/>
-                      </a:endParaRPr>
-                    </a:p>
-                  </a:txBody>
-                  <a:tcPr/>
-                </a:tc>
-                <a:tc>
-                  <a:txBody>
-                    <a:bodyPr/>
-                    <a:lstStyle/>
-                    <a:p>
-                      <a:r>
-                        <a:rPr lang="ru-RU" sz="1800" b="0" i="0" kern="1200" dirty="0" smtClean="0">
-                          <a:solidFill>
-                            <a:schemeClr val="dk1"/>
-                          </a:solidFill>
-                          <a:effectLst/>
-                          <a:latin typeface="+mn-lt"/>
-                          <a:ea typeface="+mn-ea"/>
-                          <a:cs typeface="+mn-cs"/>
-                        </a:rPr>
-                        <a:t>Быть слишком гибким может быть проблематично.</a:t>
-                      </a:r>
-                      <a:endParaRPr lang="ru-RU" dirty="0"/>
-                    </a:p>
-                  </a:txBody>
-                  <a:tcPr/>
-                </a:tc>
-                <a:extLst>
-                  <a:ext uri="{0D108BD9-81ED-4DB2-BD59-A6C34878D82A}">
-                    <a16:rowId xmlns:a16="http://schemas.microsoft.com/office/drawing/2014/main" val="1692810920"/>
-                  </a:ext>
-                </a:extLst>
-              </a:tr>
-              <a:tr h="370840">
+              <a:tr h="1122010">
                 <a:tc>
                   <a:txBody>
                     <a:bodyPr/>
@@ -8898,6 +8761,38 @@
                     <a:bodyPr/>
                     <a:lstStyle/>
                     <a:p>
+                      <a:pPr marL="0" marR="0" indent="0" algn="ctr" defTabSz="914400" rtl="0" eaLnBrk="1" fontAlgn="auto" latinLnBrk="0" hangingPunct="1">
+                        <a:lnSpc>
+                          <a:spcPct val="100000"/>
+                        </a:lnSpc>
+                        <a:spcBef>
+                          <a:spcPts val="0"/>
+                        </a:spcBef>
+                        <a:spcAft>
+                          <a:spcPts val="0"/>
+                        </a:spcAft>
+                        <a:buClrTx/>
+                        <a:buSzTx/>
+                        <a:buFontTx/>
+                        <a:buNone/>
+                        <a:tabLst/>
+                        <a:defRPr/>
+                      </a:pPr>
+                      <a:r>
+                        <a:rPr lang="ru-RU" sz="1800" b="0" i="0" kern="1200" dirty="0" smtClean="0">
+                          <a:solidFill>
+                            <a:schemeClr val="dk1"/>
+                          </a:solidFill>
+                          <a:effectLst/>
+                          <a:latin typeface="+mn-lt"/>
+                          <a:ea typeface="+mn-ea"/>
+                          <a:cs typeface="+mn-cs"/>
+                        </a:rPr>
+                        <a:t>Быть слишком гибким может быть проблематично.</a:t>
+                      </a:r>
+                      <a:endParaRPr lang="ru-RU" dirty="0" smtClean="0"/>
+                    </a:p>
+                    <a:p>
                       <a:pPr algn="ctr"/>
                       <a:endParaRPr lang="ru-RU" sz="1800" dirty="0">
                         <a:latin typeface="+mn-lt"/>
@@ -8912,7 +8807,7 @@
                   </a:ext>
                 </a:extLst>
               </a:tr>
-              <a:tr h="370840">
+              <a:tr h="455038">
                 <a:tc>
                   <a:txBody>
                     <a:bodyPr/>
@@ -8957,7 +8852,7 @@
                   </a:ext>
                 </a:extLst>
               </a:tr>
-              <a:tr h="370840">
+              <a:tr h="455038">
                 <a:tc>
                   <a:txBody>
                     <a:bodyPr/>
@@ -9002,7 +8897,7 @@
                   </a:ext>
                 </a:extLst>
               </a:tr>
-              <a:tr h="370840">
+              <a:tr h="455038">
                 <a:tc>
                   <a:txBody>
                     <a:bodyPr/>
@@ -9047,7 +8942,7 @@
                   </a:ext>
                 </a:extLst>
               </a:tr>
-              <a:tr h="370840">
+              <a:tr h="455038">
                 <a:tc>
                   <a:txBody>
                     <a:bodyPr/>
@@ -9224,49 +9119,31 @@
           <a:lstStyle/>
           <a:p>
             <a:r>
-              <a:rPr lang="ru-RU" sz="2400" dirty="0" smtClean="0"/>
+              <a:rPr lang="ru-RU" sz="3200" dirty="0" smtClean="0"/>
               <a:t>Если любите кодировать на </a:t>
             </a:r>
             <a:r>
-              <a:rPr lang="en-US" sz="2400" dirty="0" err="1" smtClean="0"/>
+              <a:rPr lang="en-US" sz="3200" dirty="0" err="1" smtClean="0"/>
               <a:t>TypeScript</a:t>
             </a:r>
-            <a:endParaRPr lang="en-US" sz="2400" dirty="0" smtClean="0"/>
-          </a:p>
-          <a:p>
-            <a:r>
-              <a:rPr lang="ru-RU" sz="2400" dirty="0" smtClean="0"/>
+            <a:endParaRPr lang="en-US" sz="3200" dirty="0" smtClean="0"/>
+          </a:p>
+          <a:p>
+            <a:r>
+              <a:rPr lang="ru-RU" sz="3200" dirty="0" smtClean="0"/>
               <a:t>Если увлекаетесь ООП</a:t>
             </a:r>
           </a:p>
           <a:p>
             <a:r>
-              <a:rPr lang="ru-RU" sz="2400" dirty="0" smtClean="0"/>
-              <a:t>Если хотите сосредоточиться на крупномасштабных, многофункциональных приложениях</a:t>
-            </a:r>
-          </a:p>
-          <a:p>
-            <a:r>
-              <a:rPr lang="ru-RU" sz="2400" dirty="0" smtClean="0"/>
-              <a:t>Если хотите разрабатывать </a:t>
-            </a:r>
-            <a:r>
-              <a:rPr lang="ru-RU" sz="2400" dirty="0" err="1" smtClean="0"/>
-              <a:t>нативные</a:t>
-            </a:r>
-            <a:r>
-              <a:rPr lang="ru-RU" sz="2400" dirty="0" smtClean="0"/>
-              <a:t> приложения, гибридные или веб-приложения (долгосрочные или тяжелые инвестиционные </a:t>
-            </a:r>
-            <a:r>
-              <a:rPr lang="ru-RU" sz="2400" dirty="0" err="1" smtClean="0"/>
-              <a:t>проектц</a:t>
-            </a:r>
-            <a:r>
-              <a:rPr lang="ru-RU" sz="2400" dirty="0" smtClean="0"/>
-              <a:t>)</a:t>
-            </a:r>
-            <a:endParaRPr lang="ru-RU" sz="2400" dirty="0"/>
+              <a:rPr lang="ru-RU" sz="3200" dirty="0" smtClean="0"/>
+              <a:t>Если хотите сосредоточиться на крупномасштабных, многофункциональных </a:t>
+            </a:r>
+            <a:r>
+              <a:rPr lang="ru-RU" sz="3200" dirty="0" smtClean="0"/>
+              <a:t>приложениях</a:t>
+            </a:r>
+            <a:endParaRPr lang="ru-RU" sz="3200" dirty="0" smtClean="0"/>
           </a:p>
         </p:txBody>
       </p:sp>
@@ -9387,33 +9264,33 @@
           <a:lstStyle/>
           <a:p>
             <a:r>
-              <a:rPr lang="ru-RU" sz="2400" dirty="0" smtClean="0"/>
+              <a:rPr lang="ru-RU" sz="2800" dirty="0" smtClean="0"/>
               <a:t>Если нравится гибкость больше, чем другие функции</a:t>
             </a:r>
-            <a:endParaRPr lang="en-US" sz="2400" dirty="0" smtClean="0"/>
-          </a:p>
-          <a:p>
-            <a:r>
-              <a:rPr lang="ru-RU" sz="2400" dirty="0" smtClean="0"/>
+            <a:endParaRPr lang="en-US" sz="2800" dirty="0" smtClean="0"/>
+          </a:p>
+          <a:p>
+            <a:r>
+              <a:rPr lang="ru-RU" sz="2800" dirty="0" smtClean="0"/>
               <a:t>Если любите </a:t>
             </a:r>
             <a:r>
-              <a:rPr lang="en-US" sz="2400" dirty="0" smtClean="0"/>
+              <a:rPr lang="en-US" sz="2800" dirty="0" smtClean="0"/>
               <a:t>JavaScript</a:t>
             </a:r>
-            <a:endParaRPr lang="ru-RU" sz="2400" dirty="0" smtClean="0"/>
-          </a:p>
-          <a:p>
-            <a:r>
-              <a:rPr lang="ru-RU" sz="2400" dirty="0" smtClean="0"/>
+            <a:endParaRPr lang="ru-RU" sz="2800" dirty="0" smtClean="0"/>
+          </a:p>
+          <a:p>
+            <a:r>
+              <a:rPr lang="ru-RU" sz="2800" dirty="0" smtClean="0"/>
               <a:t>Если хотите разрабатывать кроссплатформенные приложения, </a:t>
             </a:r>
             <a:r>
-              <a:rPr lang="en-US" sz="2400" dirty="0" smtClean="0"/>
+              <a:rPr lang="en-US" sz="2800" dirty="0" smtClean="0"/>
               <a:t>SPA</a:t>
             </a:r>
             <a:r>
-              <a:rPr lang="ru-RU" sz="2400" dirty="0" smtClean="0"/>
+              <a:rPr lang="ru-RU" sz="2800" dirty="0" smtClean="0"/>
               <a:t> или мобильные приложения</a:t>
             </a:r>
           </a:p>
@@ -9535,7 +9412,12 @@
             <p:ph idx="1"/>
           </p:nvPr>
         </p:nvSpPr>
-        <p:spPr/>
+        <p:spPr>
+          <a:xfrm>
+            <a:off x="3803953" y="945751"/>
+            <a:ext cx="7724018" cy="5120640"/>
+          </a:xfrm>
+        </p:spPr>
         <p:txBody>
           <a:bodyPr>
             <a:normAutofit/>
@@ -9543,32 +9425,32 @@
           <a:lstStyle/>
           <a:p>
             <a:r>
-              <a:rPr lang="ru-RU" sz="2400" dirty="0" smtClean="0"/>
+              <a:rPr lang="ru-RU" sz="2800" dirty="0" smtClean="0"/>
               <a:t>Если являетесь поклонником чистого кода</a:t>
             </a:r>
-            <a:endParaRPr lang="en-US" sz="2400" dirty="0" smtClean="0"/>
-          </a:p>
-          <a:p>
-            <a:r>
-              <a:rPr lang="ru-RU" sz="2400" dirty="0" smtClean="0"/>
+            <a:endParaRPr lang="en-US" sz="2800" dirty="0" smtClean="0"/>
+          </a:p>
+          <a:p>
+            <a:r>
+              <a:rPr lang="ru-RU" sz="2800" dirty="0" smtClean="0"/>
               <a:t>Если вы новичок</a:t>
             </a:r>
           </a:p>
           <a:p>
             <a:r>
-              <a:rPr lang="ru-RU" sz="2400" dirty="0" smtClean="0"/>
+              <a:rPr lang="ru-RU" sz="2800" dirty="0" smtClean="0"/>
               <a:t>Если собираетесь разрабатывать небольшой проект</a:t>
             </a:r>
           </a:p>
           <a:p>
             <a:r>
-              <a:rPr lang="ru-RU" sz="2400" dirty="0" smtClean="0"/>
+              <a:rPr lang="ru-RU" sz="2800" dirty="0" smtClean="0"/>
               <a:t>Если работаете в одиночку или небольшой команде</a:t>
             </a:r>
           </a:p>
           <a:p>
             <a:r>
-              <a:rPr lang="ru-RU" sz="2400" dirty="0" smtClean="0"/>
+              <a:rPr lang="ru-RU" sz="2800" dirty="0" smtClean="0"/>
               <a:t>Если нужен фреймворк, который меньше весит</a:t>
             </a:r>
           </a:p>
@@ -10132,7 +10014,7 @@
           <a:p>
             <a:r>
               <a:rPr lang="ru-RU" dirty="0" smtClean="0"/>
-              <a:t>Конструктор </a:t>
+              <a:t>Директивы </a:t>
             </a:r>
             <a:r>
               <a:rPr lang="en-US" dirty="0" smtClean="0"/>
